--- a/Projektvorstellung/Pitch-Folie.pptx
+++ b/Projektvorstellung/Pitch-Folie.pptx
@@ -107,6 +107,11 @@
       </a:defRPr>
     </a:lvl9pPr>
   </p:defaultTextStyle>
+  <p:extLst>
+    <p:ext uri="{EFAFB233-063F-42B5-8137-9DF3F51BA10A}">
+      <p15:sldGuideLst xmlns:p15="http://schemas.microsoft.com/office/powerpoint/2012/main"/>
+    </p:ext>
+  </p:extLst>
 </p:presentation>
 </file>
 
@@ -351,7 +356,7 @@
           <a:p>
             <a:fld id="{9017B078-D180-4191-B0F3-ABE35B937EE0}" type="slidenum">
               <a:rPr lang="en-GB" smtClean="0"/>
-              <a:t>‹Nr.›</a:t>
+              <a:t>‹#›</a:t>
             </a:fld>
             <a:endParaRPr lang="en-GB"/>
           </a:p>
@@ -3197,7 +3202,7 @@
                 </a:solidFill>
               </a:rPr>
               <a:pPr algn="r"/>
-              <a:t>‹Nr.›</a:t>
+              <a:t>‹#›</a:t>
             </a:fld>
             <a:endParaRPr lang="de-DE" sz="1200" b="0" dirty="0">
               <a:solidFill>
@@ -3854,15 +3859,15 @@
           <a:p>
             <a:r>
               <a:rPr lang="de-DE" sz="2000" dirty="0"/>
-              <a:t>Design, Implementation and </a:t>
+              <a:t>Design, Implementation </a:t>
             </a:r>
             <a:r>
               <a:rPr lang="de-DE" sz="2000" dirty="0" err="1"/>
-              <a:t>evaluation</a:t>
+              <a:t>and</a:t>
             </a:r>
             <a:r>
               <a:rPr lang="de-DE" sz="2000" dirty="0"/>
-              <a:t> </a:t>
+              <a:t> Evaluation </a:t>
             </a:r>
             <a:r>
               <a:rPr lang="de-DE" sz="2000" dirty="0" err="1"/>
@@ -3870,11 +3875,11 @@
             </a:r>
             <a:r>
               <a:rPr lang="de-DE" sz="2000" dirty="0"/>
-              <a:t> different </a:t>
+              <a:t> Different </a:t>
             </a:r>
             <a:r>
               <a:rPr lang="de-DE" sz="2000" dirty="0" err="1"/>
-              <a:t>strategies</a:t>
+              <a:t>Strategies</a:t>
             </a:r>
             <a:r>
               <a:rPr lang="de-DE" sz="2000" dirty="0"/>
@@ -3889,11 +3894,11 @@
             </a:r>
             <a:r>
               <a:rPr lang="de-DE" sz="2000" dirty="0"/>
-              <a:t> </a:t>
-            </a:r>
-            <a:r>
-              <a:rPr lang="de-DE" sz="2000" dirty="0" err="1"/>
-              <a:t>playing</a:t>
+              <a:t> P</a:t>
+            </a:r>
+            <a:r>
+              <a:rPr lang="de-DE" sz="2000"/>
+              <a:t>laying</a:t>
             </a:r>
             <a:r>
               <a:rPr lang="de-DE" sz="2000" dirty="0"/>
@@ -3901,7 +3906,7 @@
             </a:r>
             <a:r>
               <a:rPr lang="de-DE" sz="2000" dirty="0" err="1"/>
-              <a:t>battles</a:t>
+              <a:t>Battles</a:t>
             </a:r>
             <a:endParaRPr lang="en-US" sz="2000" dirty="0"/>
           </a:p>
@@ -3972,7 +3977,7 @@
                   <a:srgbClr val="063D79"/>
                 </a:solidFill>
               </a:rPr>
-              <a:t>gamestates</a:t>
+              <a:t>Gamestates</a:t>
             </a:r>
             <a:endParaRPr lang="en-US" dirty="0">
               <a:solidFill>
